--- a/Python/Lesson 02 - Conditional Statements and Error Handling/Lesson 02 - Conditional Statements, Loops, and Error Handling.pptx
+++ b/Python/Lesson 02 - Conditional Statements and Error Handling/Lesson 02 - Conditional Statements, Loops, and Error Handling.pptx
@@ -26984,8 +26984,8 @@
         </p:nvSpPr>
         <p:spPr>
           <a:xfrm>
-            <a:off x="616150" y="1580550"/>
-            <a:ext cx="7949700" cy="3241500"/>
+            <a:off x="0" y="973667"/>
+            <a:ext cx="8565850" cy="3848383"/>
           </a:xfrm>
           <a:prstGeom prst="rect">
             <a:avLst/>
@@ -27012,18 +27012,15 @@
                 <a:spcPts val="0"/>
               </a:spcAft>
               <a:buClr>
-                <a:schemeClr val="dk2"/>
+                <a:srgbClr val="FFFFFF"/>
               </a:buClr>
               <a:buSzPts val="1800"/>
               <a:buFont typeface="Roboto"/>
               <a:buChar char="●"/>
             </a:pPr>
             <a:r>
-              <a:rPr lang="en-US" sz="1800" dirty="0">
-                <a:solidFill>
-                  <a:schemeClr val="accent2"/>
-                </a:solidFill>
-                <a:latin typeface="Roboto"/>
+              <a:rPr lang="en-US" dirty="0">
+                <a:latin typeface="Consolas" panose="020B0609020204030204" pitchFamily="49" charset="0"/>
                 <a:ea typeface="Roboto"/>
                 <a:cs typeface="Roboto"/>
                 <a:sym typeface="Roboto"/>
@@ -27043,18 +27040,15 @@
                 <a:spcPts val="0"/>
               </a:spcAft>
               <a:buClr>
-                <a:schemeClr val="dk2"/>
+                <a:srgbClr val="FFFFFF"/>
               </a:buClr>
               <a:buSzPts val="1800"/>
               <a:buFont typeface="Roboto"/>
               <a:buChar char="●"/>
             </a:pPr>
             <a:r>
-              <a:rPr lang="en-US" sz="1800" dirty="0">
-                <a:solidFill>
-                  <a:schemeClr val="accent2"/>
-                </a:solidFill>
-                <a:latin typeface="Roboto"/>
+              <a:rPr lang="en-US" dirty="0">
+                <a:latin typeface="Consolas" panose="020B0609020204030204" pitchFamily="49" charset="0"/>
                 <a:ea typeface="Roboto"/>
                 <a:cs typeface="Roboto"/>
                 <a:sym typeface="Roboto"/>
@@ -27074,18 +27068,15 @@
                 <a:spcPts val="0"/>
               </a:spcAft>
               <a:buClr>
-                <a:schemeClr val="dk2"/>
+                <a:srgbClr val="FFFFFF"/>
               </a:buClr>
               <a:buSzPts val="1800"/>
               <a:buFont typeface="Roboto"/>
               <a:buChar char="●"/>
             </a:pPr>
             <a:r>
-              <a:rPr lang="en-US" sz="1800" dirty="0">
-                <a:solidFill>
-                  <a:schemeClr val="accent2"/>
-                </a:solidFill>
-                <a:latin typeface="Roboto"/>
+              <a:rPr lang="en-US" dirty="0">
+                <a:latin typeface="Consolas" panose="020B0609020204030204" pitchFamily="49" charset="0"/>
                 <a:ea typeface="Roboto"/>
                 <a:cs typeface="Roboto"/>
                 <a:sym typeface="Roboto"/>
@@ -27744,6 +27735,10 @@
           </p:nvPr>
         </p:nvSpPr>
         <p:spPr>
+          <a:xfrm>
+            <a:off x="411480" y="959696"/>
+            <a:ext cx="5096351" cy="3017520"/>
+          </a:xfrm>
           <a:prstGeom prst="rect">
             <a:avLst/>
           </a:prstGeom>
@@ -28141,7 +28136,7 @@
         </p:nvSpPr>
         <p:spPr>
           <a:xfrm>
-            <a:off x="684806" y="1200389"/>
+            <a:off x="411480" y="844946"/>
             <a:ext cx="6928568" cy="3453608"/>
           </a:xfrm>
           <a:prstGeom prst="rect">
@@ -28575,6 +28570,10 @@
           </p:nvPr>
         </p:nvSpPr>
         <p:spPr>
+          <a:xfrm>
+            <a:off x="292946" y="942763"/>
+            <a:ext cx="5096351" cy="3017520"/>
+          </a:xfrm>
           <a:prstGeom prst="rect">
             <a:avLst/>
           </a:prstGeom>
@@ -28834,7 +28833,7 @@
           </a:bodyPr>
           <a:lstStyle/>
           <a:p>
-            <a:pPr marL="457200" lvl="0" indent="-342900" algn="l" rtl="0">
+            <a:pPr marL="114300" lvl="0" algn="l" rtl="0">
               <a:lnSpc>
                 <a:spcPct val="100000"/>
               </a:lnSpc>
@@ -28848,8 +28847,6 @@
                 <a:schemeClr val="dk2"/>
               </a:buClr>
               <a:buSzPts val="1800"/>
-              <a:buFont typeface="Roboto"/>
-              <a:buChar char="●"/>
             </a:pPr>
             <a:r>
               <a:rPr lang="en" sz="1800" dirty="0"/>
@@ -28916,6 +28913,9 @@
             </a:pPr>
             <a:r>
               <a:rPr lang="en" dirty="0">
+                <a:solidFill>
+                  <a:schemeClr val="tx2"/>
+                </a:solidFill>
                 <a:latin typeface="Consolas"/>
                 <a:ea typeface="Consolas"/>
                 <a:cs typeface="Consolas"/>
@@ -28925,6 +28925,9 @@
             </a:r>
             <a:r>
               <a:rPr lang="en" dirty="0" err="1">
+                <a:solidFill>
+                  <a:schemeClr val="tx2"/>
+                </a:solidFill>
                 <a:latin typeface="Consolas"/>
                 <a:ea typeface="Consolas"/>
                 <a:cs typeface="Consolas"/>
@@ -28934,6 +28937,9 @@
             </a:r>
             <a:r>
               <a:rPr lang="en" dirty="0">
+                <a:solidFill>
+                  <a:schemeClr val="tx2"/>
+                </a:solidFill>
                 <a:latin typeface="Consolas"/>
                 <a:ea typeface="Consolas"/>
                 <a:cs typeface="Consolas"/>
@@ -28942,6 +28948,9 @@
               <a:t> in range(3):</a:t>
             </a:r>
             <a:endParaRPr dirty="0">
+              <a:solidFill>
+                <a:schemeClr val="tx2"/>
+              </a:solidFill>
               <a:latin typeface="Consolas"/>
               <a:ea typeface="Consolas"/>
               <a:cs typeface="Consolas"/>
@@ -28952,6 +28961,9 @@
             <a:pPr marL="914400"/>
             <a:r>
               <a:rPr lang="en" dirty="0">
+                <a:solidFill>
+                  <a:schemeClr val="tx2"/>
+                </a:solidFill>
                 <a:latin typeface="Consolas"/>
                 <a:ea typeface="Consolas"/>
                 <a:cs typeface="Consolas"/>
@@ -28960,6 +28972,9 @@
               <a:t>    for j in range(2):</a:t>
             </a:r>
             <a:endParaRPr dirty="0">
+              <a:solidFill>
+                <a:schemeClr val="tx2"/>
+              </a:solidFill>
               <a:latin typeface="Consolas"/>
               <a:ea typeface="Consolas"/>
               <a:cs typeface="Consolas"/>
@@ -28972,6 +28987,9 @@
             </a:pPr>
             <a:r>
               <a:rPr lang="en" dirty="0">
+                <a:solidFill>
+                  <a:schemeClr val="tx2"/>
+                </a:solidFill>
                 <a:latin typeface="Consolas"/>
                 <a:ea typeface="Consolas"/>
                 <a:cs typeface="Consolas"/>
@@ -28981,6 +28999,9 @@
             </a:r>
             <a:r>
               <a:rPr lang="en" dirty="0" err="1">
+                <a:solidFill>
+                  <a:schemeClr val="tx2"/>
+                </a:solidFill>
                 <a:latin typeface="Consolas"/>
                 <a:ea typeface="Consolas"/>
                 <a:cs typeface="Consolas"/>
@@ -28990,6 +29011,9 @@
             </a:r>
             <a:r>
               <a:rPr lang="en" dirty="0">
+                <a:solidFill>
+                  <a:schemeClr val="tx2"/>
+                </a:solidFill>
                 <a:latin typeface="Consolas"/>
                 <a:ea typeface="Consolas"/>
                 <a:cs typeface="Consolas"/>
@@ -28998,6 +29022,9 @@
               <a:t>, j)</a:t>
             </a:r>
             <a:endParaRPr dirty="0">
+              <a:solidFill>
+                <a:schemeClr val="tx2"/>
+              </a:solidFill>
               <a:latin typeface="Consolas"/>
               <a:ea typeface="Consolas"/>
               <a:cs typeface="Consolas"/>
@@ -29438,9 +29465,6 @@
             </a:pPr>
             <a:r>
               <a:rPr lang="en" sz="1800" dirty="0">
-                <a:solidFill>
-                  <a:schemeClr val="tx2"/>
-                </a:solidFill>
                 <a:latin typeface="Roboto"/>
                 <a:ea typeface="Roboto"/>
                 <a:cs typeface="Roboto"/>
@@ -29449,9 +29473,6 @@
               <a:t>Errors are issues in a program that prevent it from running as expected</a:t>
             </a:r>
             <a:endParaRPr sz="1800" dirty="0">
-              <a:solidFill>
-                <a:schemeClr val="tx2"/>
-              </a:solidFill>
               <a:latin typeface="Roboto"/>
               <a:ea typeface="Roboto"/>
               <a:cs typeface="Roboto"/>
@@ -29478,9 +29499,6 @@
             </a:pPr>
             <a:r>
               <a:rPr lang="en" sz="1800" dirty="0">
-                <a:solidFill>
-                  <a:schemeClr val="tx2"/>
-                </a:solidFill>
                 <a:latin typeface="Roboto"/>
                 <a:ea typeface="Roboto"/>
                 <a:cs typeface="Roboto"/>
@@ -29489,9 +29507,6 @@
               <a:t>They help programmers find and fix mistakes</a:t>
             </a:r>
             <a:endParaRPr sz="1800" dirty="0">
-              <a:solidFill>
-                <a:schemeClr val="tx2"/>
-              </a:solidFill>
               <a:latin typeface="Roboto"/>
               <a:ea typeface="Roboto"/>
               <a:cs typeface="Roboto"/>
@@ -29518,9 +29533,6 @@
             </a:pPr>
             <a:r>
               <a:rPr lang="en" sz="1800" dirty="0">
-                <a:solidFill>
-                  <a:schemeClr val="tx2"/>
-                </a:solidFill>
                 <a:latin typeface="Roboto"/>
                 <a:ea typeface="Roboto"/>
                 <a:cs typeface="Roboto"/>
@@ -29529,9 +29541,6 @@
               <a:t>Why learn errors?</a:t>
             </a:r>
             <a:endParaRPr sz="1800" dirty="0">
-              <a:solidFill>
-                <a:schemeClr val="tx2"/>
-              </a:solidFill>
               <a:latin typeface="Roboto"/>
               <a:ea typeface="Roboto"/>
               <a:cs typeface="Roboto"/>
@@ -29558,9 +29567,6 @@
             </a:pPr>
             <a:r>
               <a:rPr lang="en" sz="1800" dirty="0">
-                <a:solidFill>
-                  <a:schemeClr val="tx2"/>
-                </a:solidFill>
                 <a:latin typeface="Roboto"/>
                 <a:ea typeface="Roboto"/>
                 <a:cs typeface="Roboto"/>
@@ -29569,9 +29575,6 @@
               <a:t>Errors help you debug</a:t>
             </a:r>
             <a:endParaRPr sz="1800" dirty="0">
-              <a:solidFill>
-                <a:schemeClr val="tx2"/>
-              </a:solidFill>
               <a:latin typeface="Roboto"/>
               <a:ea typeface="Roboto"/>
               <a:cs typeface="Roboto"/>
@@ -29598,9 +29601,6 @@
             </a:pPr>
             <a:r>
               <a:rPr lang="en" sz="1800" dirty="0">
-                <a:solidFill>
-                  <a:schemeClr val="tx2"/>
-                </a:solidFill>
                 <a:latin typeface="Roboto"/>
                 <a:ea typeface="Roboto"/>
                 <a:cs typeface="Roboto"/>
@@ -29609,9 +29609,6 @@
               <a:t>Knowing common errors makes writing and fixing code faster</a:t>
             </a:r>
             <a:endParaRPr sz="1800" dirty="0">
-              <a:solidFill>
-                <a:schemeClr val="tx2"/>
-              </a:solidFill>
               <a:latin typeface="Roboto"/>
               <a:ea typeface="Roboto"/>
               <a:cs typeface="Roboto"/>
@@ -29638,9 +29635,6 @@
             </a:pPr>
             <a:r>
               <a:rPr lang="en" sz="1800" dirty="0">
-                <a:solidFill>
-                  <a:schemeClr val="tx2"/>
-                </a:solidFill>
                 <a:latin typeface="Roboto"/>
                 <a:ea typeface="Roboto"/>
                 <a:cs typeface="Roboto"/>
@@ -29649,9 +29643,6 @@
               <a:t>Good programs handle errors gracefully</a:t>
             </a:r>
             <a:endParaRPr sz="1800" dirty="0">
-              <a:solidFill>
-                <a:schemeClr val="tx2"/>
-              </a:solidFill>
               <a:latin typeface="Roboto"/>
               <a:ea typeface="Roboto"/>
               <a:cs typeface="Roboto"/>
@@ -32963,17 +32954,14 @@
                 <a:spcPts val="0"/>
               </a:spcAft>
               <a:buClr>
-                <a:schemeClr val="dk2"/>
+                <a:srgbClr val="FFFFFF"/>
               </a:buClr>
               <a:buSzPts val="1800"/>
-              <a:buFont typeface="Roboto"/>
-              <a:buChar char="●"/>
+              <a:buFont typeface="Arial" panose="020B0604020202020204" pitchFamily="34" charset="0"/>
+              <a:buChar char="•"/>
             </a:pPr>
             <a:r>
               <a:rPr lang="en" sz="1800" dirty="0">
-                <a:solidFill>
-                  <a:srgbClr val="FFCC01"/>
-                </a:solidFill>
                 <a:latin typeface="Roboto"/>
                 <a:ea typeface="Roboto"/>
                 <a:cs typeface="Roboto"/>
@@ -32982,9 +32970,6 @@
               <a:t>Why Handle Errors?</a:t>
             </a:r>
             <a:endParaRPr sz="1800" dirty="0">
-              <a:solidFill>
-                <a:srgbClr val="FFCC01"/>
-              </a:solidFill>
               <a:latin typeface="Roboto"/>
               <a:ea typeface="Roboto"/>
               <a:cs typeface="Roboto"/>
@@ -33003,17 +32988,14 @@
                 <a:spcPts val="0"/>
               </a:spcAft>
               <a:buClr>
-                <a:schemeClr val="dk2"/>
+                <a:srgbClr val="FFFFFF"/>
               </a:buClr>
               <a:buSzPts val="1800"/>
-              <a:buFont typeface="Roboto"/>
-              <a:buChar char="○"/>
+              <a:buFont typeface="Arial" panose="020B0604020202020204" pitchFamily="34" charset="0"/>
+              <a:buChar char="•"/>
             </a:pPr>
             <a:r>
               <a:rPr lang="en" sz="1800" dirty="0">
-                <a:solidFill>
-                  <a:srgbClr val="FFCC01"/>
-                </a:solidFill>
                 <a:latin typeface="Roboto"/>
                 <a:ea typeface="Roboto"/>
                 <a:cs typeface="Roboto"/>
@@ -33022,9 +33004,6 @@
               <a:t>Prevent your program from crashing</a:t>
             </a:r>
             <a:endParaRPr sz="1800" dirty="0">
-              <a:solidFill>
-                <a:srgbClr val="FFCC01"/>
-              </a:solidFill>
               <a:latin typeface="Roboto"/>
               <a:ea typeface="Roboto"/>
               <a:cs typeface="Roboto"/>
@@ -33043,17 +33022,14 @@
                 <a:spcPts val="0"/>
               </a:spcAft>
               <a:buClr>
-                <a:schemeClr val="dk2"/>
+                <a:srgbClr val="FFFFFF"/>
               </a:buClr>
               <a:buSzPts val="1800"/>
-              <a:buFont typeface="Roboto"/>
-              <a:buChar char="○"/>
+              <a:buFont typeface="Arial" panose="020B0604020202020204" pitchFamily="34" charset="0"/>
+              <a:buChar char="•"/>
             </a:pPr>
             <a:r>
               <a:rPr lang="en" sz="1800" dirty="0">
-                <a:solidFill>
-                  <a:srgbClr val="FFCC01"/>
-                </a:solidFill>
                 <a:latin typeface="Roboto"/>
                 <a:ea typeface="Roboto"/>
                 <a:cs typeface="Roboto"/>
@@ -33062,9 +33038,6 @@
               <a:t>Provide helpful messages to users</a:t>
             </a:r>
             <a:endParaRPr sz="1800" dirty="0">
-              <a:solidFill>
-                <a:srgbClr val="FFCC01"/>
-              </a:solidFill>
               <a:latin typeface="Roboto"/>
               <a:ea typeface="Roboto"/>
               <a:cs typeface="Roboto"/>
@@ -33083,17 +33056,14 @@
                 <a:spcPts val="0"/>
               </a:spcAft>
               <a:buClr>
-                <a:schemeClr val="dk2"/>
+                <a:srgbClr val="FFFFFF"/>
               </a:buClr>
               <a:buSzPts val="1800"/>
-              <a:buFont typeface="Roboto"/>
-              <a:buChar char="○"/>
+              <a:buFont typeface="Arial" panose="020B0604020202020204" pitchFamily="34" charset="0"/>
+              <a:buChar char="•"/>
             </a:pPr>
             <a:r>
               <a:rPr lang="en" sz="1800" dirty="0">
-                <a:solidFill>
-                  <a:srgbClr val="FFCC01"/>
-                </a:solidFill>
                 <a:latin typeface="Roboto"/>
                 <a:ea typeface="Roboto"/>
                 <a:cs typeface="Roboto"/>
@@ -33102,9 +33072,6 @@
               <a:t>Let your code recover from unexpected situations</a:t>
             </a:r>
             <a:endParaRPr sz="1800" dirty="0">
-              <a:solidFill>
-                <a:srgbClr val="FFCC01"/>
-              </a:solidFill>
               <a:latin typeface="Roboto"/>
               <a:ea typeface="Roboto"/>
               <a:cs typeface="Roboto"/>
@@ -33201,7 +33168,7 @@
           </a:bodyPr>
           <a:lstStyle/>
           <a:p>
-            <a:pPr marL="457200" lvl="0" indent="-342900" rtl="0">
+            <a:pPr marL="114300" lvl="0" rtl="0">
               <a:lnSpc>
                 <a:spcPct val="100000"/>
               </a:lnSpc>
@@ -33215,8 +33182,6 @@
                 <a:srgbClr val="000000"/>
               </a:buClr>
               <a:buSzPts val="1800"/>
-              <a:buFont typeface="Arial"/>
-              <a:buChar char="●"/>
             </a:pPr>
             <a:r>
               <a:rPr lang="en" sz="1800" dirty="0"/>
@@ -33225,7 +33190,7 @@
             <a:endParaRPr sz="1800" dirty="0"/>
           </a:p>
           <a:p>
-            <a:pPr marL="457200" lvl="0" indent="-361950" rtl="0">
+            <a:pPr marL="95250" lvl="0" rtl="0">
               <a:lnSpc>
                 <a:spcPct val="100000"/>
               </a:lnSpc>
@@ -33239,17 +33204,14 @@
                 <a:srgbClr val="000000"/>
               </a:buClr>
               <a:buSzPts val="2100"/>
-              <a:buFont typeface="Arial"/>
-              <a:buChar char="●"/>
             </a:pPr>
             <a:r>
               <a:rPr lang="en" sz="1800" dirty="0"/>
               <a:t>Example:</a:t>
             </a:r>
-            <a:endParaRPr sz="1800" dirty="0"/>
-          </a:p>
-          <a:p>
-            <a:pPr marL="457200" lvl="0" indent="0" rtl="0">
+          </a:p>
+          <a:p>
+            <a:pPr marL="95250" lvl="0" rtl="0">
               <a:lnSpc>
                 <a:spcPct val="100000"/>
               </a:lnSpc>
@@ -33259,7 +33221,36 @@
               <a:spcAft>
                 <a:spcPts val="0"/>
               </a:spcAft>
-              <a:buNone/>
+              <a:buClr>
+                <a:srgbClr val="000000"/>
+              </a:buClr>
+              <a:buSzPts val="2100"/>
+            </a:pPr>
+            <a:endParaRPr lang="en" sz="1400" dirty="0">
+              <a:solidFill>
+                <a:srgbClr val="FFCC01"/>
+              </a:solidFill>
+              <a:latin typeface="Consolas"/>
+              <a:ea typeface="Consolas"/>
+              <a:cs typeface="Consolas"/>
+              <a:sym typeface="Consolas"/>
+            </a:endParaRPr>
+          </a:p>
+          <a:p>
+            <a:pPr marL="95250" lvl="0" rtl="0">
+              <a:lnSpc>
+                <a:spcPct val="100000"/>
+              </a:lnSpc>
+              <a:spcBef>
+                <a:spcPts val="0"/>
+              </a:spcBef>
+              <a:spcAft>
+                <a:spcPts val="0"/>
+              </a:spcAft>
+              <a:buClr>
+                <a:srgbClr val="000000"/>
+              </a:buClr>
+              <a:buSzPts val="2100"/>
             </a:pPr>
             <a:r>
               <a:rPr lang="en" sz="1400" dirty="0">
@@ -33300,7 +33291,7 @@
                 <a:cs typeface="Consolas"/>
                 <a:sym typeface="Consolas"/>
               </a:rPr>
-              <a:t>    # code that might cause an error</a:t>
+              <a:t>     # code that might cause an error</a:t>
             </a:r>
             <a:endParaRPr sz="1400" dirty="0">
               <a:solidFill>
@@ -33329,20 +33320,16 @@
                 <a:cs typeface="Consolas"/>
                 <a:sym typeface="Consolas"/>
               </a:rPr>
-              <a:t>    number = int("</a:t>
-            </a:r>
-            <a:r>
-              <a:rPr lang="en" sz="1400" dirty="0" err="1">
-                <a:solidFill>
-                  <a:srgbClr val="FFCC01"/>
-                </a:solidFill>
-                <a:latin typeface="Consolas"/>
-                <a:ea typeface="Consolas"/>
-                <a:cs typeface="Consolas"/>
-                <a:sym typeface="Consolas"/>
-              </a:rPr>
-              <a:t>abc</a:t>
-            </a:r>
+              <a:t>     number = int("abc")</a:t>
+            </a:r>
+          </a:p>
+          <a:p>
+            <a:pPr indent="0">
+              <a:lnSpc>
+                <a:spcPct val="100000"/>
+              </a:lnSpc>
+              <a:buNone/>
+            </a:pPr>
             <a:r>
               <a:rPr lang="en" sz="1400" dirty="0">
                 <a:solidFill>
@@ -33353,7 +33340,7 @@
                 <a:cs typeface="Consolas"/>
                 <a:sym typeface="Consolas"/>
               </a:rPr>
-              <a:t>")</a:t>
+              <a:t> except ValueError:</a:t>
             </a:r>
             <a:endParaRPr sz="1400" dirty="0">
               <a:solidFill>
@@ -33366,16 +33353,10 @@
             </a:endParaRPr>
           </a:p>
           <a:p>
-            <a:pPr marL="457200" lvl="0" indent="0" rtl="0">
+            <a:pPr indent="0">
               <a:lnSpc>
                 <a:spcPct val="100000"/>
               </a:lnSpc>
-              <a:spcBef>
-                <a:spcPts val="0"/>
-              </a:spcBef>
-              <a:spcAft>
-                <a:spcPts val="0"/>
-              </a:spcAft>
               <a:buNone/>
             </a:pPr>
             <a:r>
@@ -33388,60 +33369,7 @@
                 <a:cs typeface="Consolas"/>
                 <a:sym typeface="Consolas"/>
               </a:rPr>
-              <a:t>except </a:t>
-            </a:r>
-            <a:r>
-              <a:rPr lang="en" sz="1400" dirty="0" err="1">
-                <a:solidFill>
-                  <a:srgbClr val="FFCC01"/>
-                </a:solidFill>
-                <a:latin typeface="Consolas"/>
-                <a:ea typeface="Consolas"/>
-                <a:cs typeface="Consolas"/>
-                <a:sym typeface="Consolas"/>
-              </a:rPr>
-              <a:t>ValueError</a:t>
-            </a:r>
-            <a:r>
-              <a:rPr lang="en" sz="1400" dirty="0">
-                <a:solidFill>
-                  <a:srgbClr val="FFCC01"/>
-                </a:solidFill>
-                <a:latin typeface="Consolas"/>
-                <a:ea typeface="Consolas"/>
-                <a:cs typeface="Consolas"/>
-                <a:sym typeface="Consolas"/>
-              </a:rPr>
-              <a:t>:</a:t>
-            </a:r>
-            <a:endParaRPr sz="1400" dirty="0">
-              <a:solidFill>
-                <a:srgbClr val="FFCC01"/>
-              </a:solidFill>
-              <a:latin typeface="Consolas"/>
-              <a:ea typeface="Consolas"/>
-              <a:cs typeface="Consolas"/>
-              <a:sym typeface="Consolas"/>
-            </a:endParaRPr>
-          </a:p>
-          <a:p>
-            <a:pPr indent="0">
-              <a:lnSpc>
-                <a:spcPct val="100000"/>
-              </a:lnSpc>
-              <a:buNone/>
-            </a:pPr>
-            <a:r>
-              <a:rPr lang="en" sz="1400" dirty="0">
-                <a:solidFill>
-                  <a:srgbClr val="FFCC01"/>
-                </a:solidFill>
-                <a:latin typeface="Consolas"/>
-                <a:ea typeface="Consolas"/>
-                <a:cs typeface="Consolas"/>
-                <a:sym typeface="Consolas"/>
-              </a:rPr>
-              <a:t>    print("Oops! That wasn't a number.")</a:t>
+              <a:t>     print("Oops! That wasn't a number.")</a:t>
             </a:r>
             <a:endParaRPr sz="1400" dirty="0">
               <a:solidFill>
@@ -35361,7 +35289,7 @@
           </a:bodyPr>
           <a:lstStyle/>
           <a:p>
-            <a:pPr marL="457200" marR="0" lvl="0" indent="-342900" algn="l" rtl="0">
+            <a:pPr marL="114300" marR="0" lvl="0" algn="l" rtl="0">
               <a:lnSpc>
                 <a:spcPct val="100000"/>
               </a:lnSpc>
@@ -35375,17 +35303,15 @@
                 <a:schemeClr val="dk2"/>
               </a:buClr>
               <a:buSzPts val="1800"/>
-              <a:buFont typeface="Roboto"/>
-              <a:buChar char="●"/>
             </a:pPr>
             <a:r>
               <a:rPr lang="en" sz="1800" dirty="0"/>
               <a:t>Conditions are expressions that evaluate to a Boolean value</a:t>
             </a:r>
-            <a:endParaRPr sz="1800" dirty="0"/>
-          </a:p>
-          <a:p>
-            <a:pPr marL="914400" marR="0" lvl="1" indent="-342900" algn="l" rtl="0">
+            <a:endParaRPr lang="en-US" sz="1800" dirty="0"/>
+          </a:p>
+          <a:p>
+            <a:pPr marL="571500" marR="0" lvl="1" algn="l" rtl="0">
               <a:lnSpc>
                 <a:spcPct val="100000"/>
               </a:lnSpc>
@@ -35399,16 +35325,14 @@
                 <a:schemeClr val="dk2"/>
               </a:buClr>
               <a:buSzPts val="1800"/>
-              <a:buChar char="○"/>
             </a:pPr>
             <a:r>
-              <a:rPr lang="en" sz="1800" dirty="0"/>
+              <a:rPr lang="en-US" sz="1800" dirty="0"/>
               <a:t>They often involve comparison operators (&lt;, &gt;, ==, !=, &lt;=, &gt;=) and logical operators (and, or, not)</a:t>
             </a:r>
-            <a:endParaRPr sz="1800" dirty="0"/>
-          </a:p>
-          <a:p>
-            <a:pPr marL="457200" marR="0" lvl="0" indent="-342900" algn="l" rtl="0">
+          </a:p>
+          <a:p>
+            <a:pPr marL="114300" marR="0" lvl="0" algn="l" rtl="0">
               <a:lnSpc>
                 <a:spcPct val="100000"/>
               </a:lnSpc>
@@ -35422,16 +35346,11 @@
                 <a:schemeClr val="dk2"/>
               </a:buClr>
               <a:buSzPts val="1800"/>
-              <a:buChar char="●"/>
             </a:pPr>
-            <a:r>
-              <a:rPr lang="en" sz="1800" dirty="0"/>
-              <a:t>Python relies on indentation (whitespace at the beginning of a line) to define code blocks</a:t>
-            </a:r>
-            <a:endParaRPr sz="1800" dirty="0"/>
-          </a:p>
-          <a:p>
-            <a:pPr marL="914400" marR="0" lvl="1" indent="-342900" algn="l" rtl="0">
+            <a:endParaRPr lang="en" sz="1800" dirty="0"/>
+          </a:p>
+          <a:p>
+            <a:pPr marL="114300" marR="0" lvl="0" algn="l" rtl="0">
               <a:lnSpc>
                 <a:spcPct val="100000"/>
               </a:lnSpc>
@@ -35445,16 +35364,15 @@
                 <a:schemeClr val="dk2"/>
               </a:buClr>
               <a:buSzPts val="1800"/>
-              <a:buChar char="○"/>
             </a:pPr>
             <a:r>
-              <a:rPr lang="en" sz="1800" i="1" dirty="0"/>
-              <a:t>Incorrect indentation will lead to errors.</a:t>
-            </a:r>
-            <a:endParaRPr sz="1800" i="1" dirty="0"/>
-          </a:p>
-          <a:p>
-            <a:pPr marL="457200" marR="0" lvl="0" indent="-342900" algn="l" rtl="0">
+              <a:rPr lang="en" sz="1800" dirty="0"/>
+              <a:t>Python relies on indentation (whitespace at the beginning of a line) to define code blocks</a:t>
+            </a:r>
+            <a:endParaRPr lang="en" dirty="0"/>
+          </a:p>
+          <a:p>
+            <a:pPr marL="114300" marR="0" lvl="0" algn="l" rtl="0">
               <a:lnSpc>
                 <a:spcPct val="100000"/>
               </a:lnSpc>
@@ -35468,7 +35386,64 @@
                 <a:schemeClr val="dk2"/>
               </a:buClr>
               <a:buSzPts val="1800"/>
-              <a:buChar char="●"/>
+            </a:pPr>
+            <a:endParaRPr lang="en" sz="1800" i="1" dirty="0"/>
+          </a:p>
+          <a:p>
+            <a:pPr marL="114300" marR="0" lvl="0" algn="l" rtl="0">
+              <a:lnSpc>
+                <a:spcPct val="100000"/>
+              </a:lnSpc>
+              <a:spcBef>
+                <a:spcPts val="0"/>
+              </a:spcBef>
+              <a:spcAft>
+                <a:spcPts val="0"/>
+              </a:spcAft>
+              <a:buClr>
+                <a:schemeClr val="dk2"/>
+              </a:buClr>
+              <a:buSzPts val="1800"/>
+            </a:pPr>
+            <a:r>
+              <a:rPr lang="en" sz="1800" i="1" dirty="0"/>
+              <a:t>Incorrect indentation will lead to errors.</a:t>
+            </a:r>
+            <a:endParaRPr sz="1800" i="1" dirty="0"/>
+          </a:p>
+          <a:p>
+            <a:pPr marL="114300" marR="0" lvl="0" algn="l" rtl="0">
+              <a:lnSpc>
+                <a:spcPct val="100000"/>
+              </a:lnSpc>
+              <a:spcBef>
+                <a:spcPts val="0"/>
+              </a:spcBef>
+              <a:spcAft>
+                <a:spcPts val="0"/>
+              </a:spcAft>
+              <a:buClr>
+                <a:schemeClr val="dk2"/>
+              </a:buClr>
+              <a:buSzPts val="1800"/>
+            </a:pPr>
+            <a:endParaRPr lang="en" sz="1800" dirty="0"/>
+          </a:p>
+          <a:p>
+            <a:pPr marL="114300" marR="0" lvl="0" algn="l" rtl="0">
+              <a:lnSpc>
+                <a:spcPct val="100000"/>
+              </a:lnSpc>
+              <a:spcBef>
+                <a:spcPts val="0"/>
+              </a:spcBef>
+              <a:spcAft>
+                <a:spcPts val="0"/>
+              </a:spcAft>
+              <a:buClr>
+                <a:schemeClr val="dk2"/>
+              </a:buClr>
+              <a:buSzPts val="1800"/>
             </a:pPr>
             <a:r>
               <a:rPr lang="en" sz="1800" dirty="0"/>
@@ -35643,22 +35618,6 @@
             <a:endParaRPr dirty="0"/>
           </a:p>
           <a:p>
-            <a:pPr marL="457200" lvl="0" indent="-228600" algn="l" rtl="0">
-              <a:lnSpc>
-                <a:spcPct val="114999"/>
-              </a:lnSpc>
-              <a:spcBef>
-                <a:spcPts val="0"/>
-              </a:spcBef>
-              <a:spcAft>
-                <a:spcPts val="0"/>
-              </a:spcAft>
-              <a:buSzPts val="1300"/>
-              <a:buNone/>
-            </a:pPr>
-            <a:endParaRPr dirty="0"/>
-          </a:p>
-          <a:p>
             <a:pPr marL="615950" lvl="1" indent="0" algn="l" rtl="0">
               <a:lnSpc>
                 <a:spcPct val="114999"/>
@@ -35761,26 +35720,6 @@
               <a:rPr lang="en" dirty="0"/>
               <a:t>Example:</a:t>
             </a:r>
-            <a:endParaRPr dirty="0"/>
-          </a:p>
-          <a:p>
-            <a:pPr marL="457200" lvl="0" indent="-228600" algn="l" rtl="0">
-              <a:lnSpc>
-                <a:spcPct val="114999"/>
-              </a:lnSpc>
-              <a:spcBef>
-                <a:spcPts val="0"/>
-              </a:spcBef>
-              <a:spcAft>
-                <a:spcPts val="0"/>
-              </a:spcAft>
-              <a:buClr>
-                <a:srgbClr val="000000"/>
-              </a:buClr>
-              <a:buSzPts val="1300"/>
-              <a:buFont typeface="Arial"/>
-              <a:buNone/>
-            </a:pPr>
             <a:endParaRPr dirty="0"/>
           </a:p>
           <a:p>
@@ -37386,7 +37325,7 @@
             </a:endParaRPr>
           </a:p>
           <a:p>
-            <a:pPr marL="457200" lvl="0" indent="-311150" algn="l" rtl="0">
+            <a:pPr marL="146050" lvl="0" algn="l" rtl="0">
               <a:spcBef>
                 <a:spcPts val="0"/>
               </a:spcBef>
@@ -37397,24 +37336,47 @@
                 <a:schemeClr val="dk2"/>
               </a:buClr>
               <a:buSzPts val="1300"/>
-              <a:buFont typeface="Roboto"/>
-              <a:buChar char="●"/>
             </a:pPr>
             <a:r>
               <a:rPr lang="en" dirty="0"/>
               <a:t>Example:</a:t>
             </a:r>
-            <a:endParaRPr dirty="0"/>
-          </a:p>
-          <a:p>
-            <a:pPr marL="457200" lvl="0" indent="0" algn="l" rtl="0">
-              <a:spcBef>
-                <a:spcPts val="0"/>
-              </a:spcBef>
-              <a:spcAft>
-                <a:spcPts val="0"/>
-              </a:spcAft>
-              <a:buNone/>
+          </a:p>
+          <a:p>
+            <a:pPr marL="146050" lvl="0" algn="l" rtl="0">
+              <a:spcBef>
+                <a:spcPts val="0"/>
+              </a:spcBef>
+              <a:spcAft>
+                <a:spcPts val="0"/>
+              </a:spcAft>
+              <a:buClr>
+                <a:schemeClr val="dk2"/>
+              </a:buClr>
+              <a:buSzPts val="1300"/>
+            </a:pPr>
+            <a:endParaRPr lang="en" sz="800" dirty="0">
+              <a:solidFill>
+                <a:schemeClr val="tx2"/>
+              </a:solidFill>
+              <a:latin typeface="Consolas"/>
+              <a:ea typeface="Consolas"/>
+              <a:cs typeface="Consolas"/>
+              <a:sym typeface="Consolas"/>
+            </a:endParaRPr>
+          </a:p>
+          <a:p>
+            <a:pPr marL="146050" lvl="0" algn="l" rtl="0">
+              <a:spcBef>
+                <a:spcPts val="0"/>
+              </a:spcBef>
+              <a:spcAft>
+                <a:spcPts val="0"/>
+              </a:spcAft>
+              <a:buClr>
+                <a:schemeClr val="dk2"/>
+              </a:buClr>
+              <a:buSzPts val="1300"/>
             </a:pPr>
             <a:r>
               <a:rPr lang="en" sz="800" dirty="0">
@@ -37426,27 +37388,21 @@
                 <a:cs typeface="Consolas"/>
                 <a:sym typeface="Consolas"/>
               </a:rPr>
-              <a:t>weather = "rainy"</a:t>
-            </a:r>
-            <a:endParaRPr sz="800" dirty="0">
-              <a:solidFill>
-                <a:schemeClr val="tx2"/>
-              </a:solidFill>
-              <a:latin typeface="Consolas"/>
-              <a:ea typeface="Consolas"/>
-              <a:cs typeface="Consolas"/>
-              <a:sym typeface="Consolas"/>
-            </a:endParaRPr>
-          </a:p>
-          <a:p>
-            <a:pPr marL="457200" lvl="0" indent="0" algn="l" rtl="0">
-              <a:spcBef>
-                <a:spcPts val="0"/>
-              </a:spcBef>
-              <a:spcAft>
-                <a:spcPts val="0"/>
-              </a:spcAft>
-              <a:buNone/>
+              <a:t>weather = "rainy“</a:t>
+            </a:r>
+          </a:p>
+          <a:p>
+            <a:pPr marL="146050" lvl="0" algn="l" rtl="0">
+              <a:spcBef>
+                <a:spcPts val="0"/>
+              </a:spcBef>
+              <a:spcAft>
+                <a:spcPts val="0"/>
+              </a:spcAft>
+              <a:buClr>
+                <a:schemeClr val="dk2"/>
+              </a:buClr>
+              <a:buSzPts val="1300"/>
             </a:pPr>
             <a:r>
               <a:rPr lang="en" sz="800" dirty="0">
@@ -37460,45 +37416,19 @@
               </a:rPr>
               <a:t>temperature = 45</a:t>
             </a:r>
-            <a:endParaRPr sz="800" dirty="0">
-              <a:solidFill>
-                <a:schemeClr val="tx2"/>
-              </a:solidFill>
-              <a:latin typeface="Consolas"/>
-              <a:ea typeface="Consolas"/>
-              <a:cs typeface="Consolas"/>
-              <a:sym typeface="Consolas"/>
-            </a:endParaRPr>
-          </a:p>
-          <a:p>
-            <a:pPr marL="457200" lvl="0" indent="0" algn="l" rtl="0">
-              <a:spcBef>
-                <a:spcPts val="0"/>
-              </a:spcBef>
-              <a:spcAft>
-                <a:spcPts val="0"/>
-              </a:spcAft>
-              <a:buNone/>
-            </a:pPr>
-            <a:endParaRPr sz="800" dirty="0">
-              <a:solidFill>
-                <a:schemeClr val="tx2"/>
-              </a:solidFill>
-              <a:latin typeface="Consolas"/>
-              <a:ea typeface="Consolas"/>
-              <a:cs typeface="Consolas"/>
-              <a:sym typeface="Consolas"/>
-            </a:endParaRPr>
-          </a:p>
-          <a:p>
-            <a:pPr marL="457200" lvl="0" indent="0" algn="l" rtl="0">
-              <a:spcBef>
-                <a:spcPts val="0"/>
-              </a:spcBef>
-              <a:spcAft>
-                <a:spcPts val="0"/>
-              </a:spcAft>
-              <a:buNone/>
+          </a:p>
+          <a:p>
+            <a:pPr marL="146050" lvl="0" algn="l" rtl="0">
+              <a:spcBef>
+                <a:spcPts val="0"/>
+              </a:spcBef>
+              <a:spcAft>
+                <a:spcPts val="0"/>
+              </a:spcAft>
+              <a:buClr>
+                <a:schemeClr val="dk2"/>
+              </a:buClr>
+              <a:buSzPts val="1300"/>
             </a:pPr>
             <a:r>
               <a:rPr lang="en" sz="800" dirty="0">
@@ -37536,7 +37466,7 @@
                 <a:cs typeface="Consolas"/>
                 <a:sym typeface="Consolas"/>
               </a:rPr>
-              <a:t>    if temperature &lt; 50:</a:t>
+              <a:t>      if temperature &lt; 50:</a:t>
             </a:r>
             <a:endParaRPr sz="800" dirty="0">
               <a:solidFill>
@@ -37562,7 +37492,93 @@
                 <a:cs typeface="Consolas"/>
                 <a:sym typeface="Consolas"/>
               </a:rPr>
-              <a:t>    print("It's cold and rainy. Wear a jacket and bring an umbrella.")</a:t>
+              <a:t>      print("It's cold and rainy. Wear a jacket and bring an umbrella.")</a:t>
+            </a:r>
+            <a:endParaRPr lang="en-US" sz="800" dirty="0">
+              <a:solidFill>
+                <a:schemeClr val="tx2"/>
+              </a:solidFill>
+              <a:latin typeface="Consolas"/>
+              <a:ea typeface="Consolas"/>
+              <a:cs typeface="Consolas"/>
+              <a:sym typeface="Consolas"/>
+            </a:endParaRPr>
+          </a:p>
+          <a:p>
+            <a:pPr indent="0">
+              <a:buNone/>
+            </a:pPr>
+            <a:r>
+              <a:rPr lang="en-US" sz="800" dirty="0">
+                <a:solidFill>
+                  <a:schemeClr val="tx2"/>
+                </a:solidFill>
+                <a:latin typeface="Consolas"/>
+                <a:ea typeface="Consolas"/>
+                <a:cs typeface="Consolas"/>
+                <a:sym typeface="Consolas"/>
+              </a:rPr>
+              <a:t>   else:</a:t>
+            </a:r>
+          </a:p>
+          <a:p>
+            <a:pPr indent="0">
+              <a:buNone/>
+            </a:pPr>
+            <a:r>
+              <a:rPr lang="en" sz="800" dirty="0">
+                <a:solidFill>
+                  <a:schemeClr val="tx2"/>
+                </a:solidFill>
+                <a:latin typeface="Consolas"/>
+                <a:ea typeface="Consolas"/>
+                <a:cs typeface="Consolas"/>
+                <a:sym typeface="Consolas"/>
+              </a:rPr>
+              <a:t>      print("It's rainy but warm. Just bring an umbrella.")</a:t>
+            </a:r>
+            <a:endParaRPr lang="en-US" sz="800" dirty="0">
+              <a:solidFill>
+                <a:schemeClr val="tx2"/>
+              </a:solidFill>
+              <a:latin typeface="Consolas"/>
+              <a:ea typeface="Consolas"/>
+              <a:cs typeface="Consolas"/>
+              <a:sym typeface="Consolas"/>
+            </a:endParaRPr>
+          </a:p>
+          <a:p>
+            <a:pPr indent="0">
+              <a:buNone/>
+            </a:pPr>
+            <a:r>
+              <a:rPr lang="en-US" sz="800" dirty="0">
+                <a:solidFill>
+                  <a:schemeClr val="tx2"/>
+                </a:solidFill>
+                <a:latin typeface="Consolas"/>
+                <a:ea typeface="Consolas"/>
+                <a:cs typeface="Consolas"/>
+                <a:sym typeface="Consolas"/>
+              </a:rPr>
+              <a:t>   else:</a:t>
+            </a:r>
+          </a:p>
+          <a:p>
+            <a:pPr indent="0">
+              <a:buNone/>
+            </a:pPr>
+            <a:r>
+              <a:rPr lang="en" sz="800" dirty="0">
+                <a:solidFill>
+                  <a:schemeClr val="tx2"/>
+                </a:solidFill>
+                <a:latin typeface="Consolas"/>
+                <a:ea typeface="Consolas"/>
+                <a:cs typeface="Consolas"/>
+                <a:sym typeface="Consolas"/>
+              </a:rPr>
+              <a:t>      print("No rain today. Enjoy the weather!")</a:t>
             </a:r>
             <a:endParaRPr sz="800" dirty="0">
               <a:solidFill>
@@ -37575,140 +37591,7 @@
             </a:endParaRPr>
           </a:p>
           <a:p>
-            <a:pPr marL="457200" lvl="0" indent="0" algn="l" rtl="0">
-              <a:spcBef>
-                <a:spcPts val="0"/>
-              </a:spcBef>
-              <a:spcAft>
-                <a:spcPts val="0"/>
-              </a:spcAft>
-              <a:buNone/>
-            </a:pPr>
-            <a:r>
-              <a:rPr lang="en" sz="800" dirty="0">
-                <a:solidFill>
-                  <a:schemeClr val="tx2"/>
-                </a:solidFill>
-                <a:latin typeface="Consolas"/>
-                <a:ea typeface="Consolas"/>
-                <a:cs typeface="Consolas"/>
-                <a:sym typeface="Consolas"/>
-              </a:rPr>
-              <a:t>    else:</a:t>
-            </a:r>
-            <a:endParaRPr sz="800" dirty="0">
-              <a:solidFill>
-                <a:schemeClr val="tx2"/>
-              </a:solidFill>
-              <a:latin typeface="Consolas"/>
-              <a:ea typeface="Consolas"/>
-              <a:cs typeface="Consolas"/>
-              <a:sym typeface="Consolas"/>
-            </a:endParaRPr>
-          </a:p>
-          <a:p>
-            <a:pPr indent="0">
-              <a:buNone/>
-            </a:pPr>
-            <a:r>
-              <a:rPr lang="en" sz="800" dirty="0">
-                <a:solidFill>
-                  <a:schemeClr val="tx2"/>
-                </a:solidFill>
-                <a:latin typeface="Consolas"/>
-                <a:ea typeface="Consolas"/>
-                <a:cs typeface="Consolas"/>
-                <a:sym typeface="Consolas"/>
-              </a:rPr>
-              <a:t>    print("It's rainy but warm. Just bring an umbrella.")</a:t>
-            </a:r>
-            <a:endParaRPr sz="800" dirty="0">
-              <a:solidFill>
-                <a:schemeClr val="tx2"/>
-              </a:solidFill>
-              <a:latin typeface="Consolas"/>
-              <a:ea typeface="Consolas"/>
-              <a:cs typeface="Consolas"/>
-              <a:sym typeface="Consolas"/>
-            </a:endParaRPr>
-          </a:p>
-          <a:p>
-            <a:pPr marL="457200" lvl="0" indent="0" algn="l" rtl="0">
-              <a:spcBef>
-                <a:spcPts val="0"/>
-              </a:spcBef>
-              <a:spcAft>
-                <a:spcPts val="0"/>
-              </a:spcAft>
-              <a:buNone/>
-            </a:pPr>
-            <a:r>
-              <a:rPr lang="en" sz="800" dirty="0">
-                <a:solidFill>
-                  <a:schemeClr val="tx2"/>
-                </a:solidFill>
-                <a:latin typeface="Consolas"/>
-                <a:ea typeface="Consolas"/>
-                <a:cs typeface="Consolas"/>
-                <a:sym typeface="Consolas"/>
-              </a:rPr>
-              <a:t>else:</a:t>
-            </a:r>
-            <a:endParaRPr sz="800" dirty="0">
-              <a:solidFill>
-                <a:schemeClr val="tx2"/>
-              </a:solidFill>
-              <a:latin typeface="Consolas"/>
-              <a:ea typeface="Consolas"/>
-              <a:cs typeface="Consolas"/>
-              <a:sym typeface="Consolas"/>
-            </a:endParaRPr>
-          </a:p>
-          <a:p>
-            <a:pPr indent="0">
-              <a:buNone/>
-            </a:pPr>
-            <a:r>
-              <a:rPr lang="en" sz="800" dirty="0">
-                <a:solidFill>
-                  <a:schemeClr val="tx2"/>
-                </a:solidFill>
-                <a:latin typeface="Consolas"/>
-                <a:ea typeface="Consolas"/>
-                <a:cs typeface="Consolas"/>
-                <a:sym typeface="Consolas"/>
-              </a:rPr>
-              <a:t>    print("No rain today. Enjoy the weather!")</a:t>
-            </a:r>
-            <a:endParaRPr sz="800" dirty="0">
-              <a:solidFill>
-                <a:schemeClr val="tx2"/>
-              </a:solidFill>
-              <a:latin typeface="Consolas"/>
-              <a:ea typeface="Consolas"/>
-              <a:cs typeface="Consolas"/>
-              <a:sym typeface="Consolas"/>
-            </a:endParaRPr>
-          </a:p>
-          <a:p>
-            <a:pPr marL="0" lvl="0" indent="0" algn="l" rtl="0">
-              <a:spcBef>
-                <a:spcPts val="0"/>
-              </a:spcBef>
-              <a:spcAft>
-                <a:spcPts val="0"/>
-              </a:spcAft>
-              <a:buNone/>
-            </a:pPr>
-            <a:endParaRPr sz="1100" dirty="0">
-              <a:latin typeface="Consolas"/>
-              <a:ea typeface="Consolas"/>
-              <a:cs typeface="Consolas"/>
-              <a:sym typeface="Consolas"/>
-            </a:endParaRPr>
-          </a:p>
-          <a:p>
-            <a:pPr marL="457200" lvl="0" indent="-311150" algn="l" rtl="0">
+            <a:pPr marL="146050" lvl="0" algn="l" rtl="0">
               <a:spcBef>
                 <a:spcPts val="0"/>
               </a:spcBef>
@@ -37719,8 +37602,24 @@
                 <a:schemeClr val="dk2"/>
               </a:buClr>
               <a:buSzPts val="1300"/>
-              <a:buFont typeface="Roboto"/>
-              <a:buChar char="●"/>
+            </a:pPr>
+            <a:endParaRPr lang="en" sz="1100" dirty="0">
+              <a:latin typeface="Consolas"/>
+              <a:sym typeface="Consolas"/>
+            </a:endParaRPr>
+          </a:p>
+          <a:p>
+            <a:pPr marL="146050" lvl="0" algn="l" rtl="0">
+              <a:spcBef>
+                <a:spcPts val="0"/>
+              </a:spcBef>
+              <a:spcAft>
+                <a:spcPts val="0"/>
+              </a:spcAft>
+              <a:buClr>
+                <a:schemeClr val="dk2"/>
+              </a:buClr>
+              <a:buSzPts val="1300"/>
             </a:pPr>
             <a:r>
               <a:rPr lang="en" dirty="0"/>
@@ -37800,165 +37699,148 @@
       </p:sp>
       <p:sp>
         <p:nvSpPr>
-          <p:cNvPr id="107" name="Google Shape;107;g344deeedf12_0_14"/>
-          <p:cNvSpPr txBox="1">
-            <a:spLocks noGrp="1"/>
-          </p:cNvSpPr>
-          <p:nvPr>
-            <p:ph type="body" sz="quarter" idx="11"/>
-          </p:nvPr>
+          <p:cNvPr id="2" name="TextBox 1">
+            <a:extLst>
+              <a:ext uri="{FF2B5EF4-FFF2-40B4-BE49-F238E27FC236}">
+                <a16:creationId xmlns:a16="http://schemas.microsoft.com/office/drawing/2014/main" id="{26A5E97F-CFC4-A900-6BE1-B8D82A86F63D}"/>
+              </a:ext>
+            </a:extLst>
+          </p:cNvPr>
+          <p:cNvSpPr txBox="1"/>
+          <p:nvPr/>
         </p:nvSpPr>
         <p:spPr>
           <a:xfrm>
-            <a:off x="100484" y="874207"/>
-            <a:ext cx="8766425" cy="3754943"/>
+            <a:off x="175682" y="1009650"/>
+            <a:ext cx="8968317" cy="3714750"/>
           </a:xfrm>
           <a:prstGeom prst="rect">
             <a:avLst/>
           </a:prstGeom>
+          <a:noFill/>
         </p:spPr>
         <p:txBody>
-          <a:bodyPr spcFirstLastPara="1" wrap="square" lIns="91425" tIns="91425" rIns="91425" bIns="91425" anchor="t" anchorCtr="0">
-            <a:normAutofit/>
+          <a:bodyPr wrap="none" lIns="0" tIns="0" rIns="0" bIns="0" rtlCol="0">
+            <a:noAutofit/>
           </a:bodyPr>
           <a:lstStyle/>
           <a:p>
-            <a:pPr marL="146050" lvl="0" algn="l" rtl="0">
+            <a:pPr marL="146050">
               <a:lnSpc>
                 <a:spcPct val="114999"/>
               </a:lnSpc>
-              <a:spcBef>
-                <a:spcPts val="0"/>
-              </a:spcBef>
-              <a:spcAft>
-                <a:spcPts val="0"/>
-              </a:spcAft>
               <a:buSzPts val="1300"/>
             </a:pPr>
             <a:r>
-              <a:rPr lang="en" sz="1800" dirty="0">
+              <a:rPr lang="en-US" sz="1600" dirty="0">
                 <a:latin typeface="Consolas" panose="020B0609020204030204" pitchFamily="49" charset="0"/>
               </a:rPr>
               <a:t>Conditions are expressions that evaluate to a Boolean value (True or False)</a:t>
             </a:r>
-            <a:endParaRPr sz="1800" dirty="0">
-              <a:latin typeface="Consolas" panose="020B0609020204030204" pitchFamily="49" charset="0"/>
-            </a:endParaRPr>
-          </a:p>
-          <a:p>
-            <a:pPr marL="914400" lvl="1" indent="-298450" algn="l" rtl="0">
+          </a:p>
+          <a:p>
+            <a:pPr marL="146050">
               <a:lnSpc>
                 <a:spcPct val="114999"/>
               </a:lnSpc>
-              <a:spcBef>
-                <a:spcPts val="0"/>
-              </a:spcBef>
-              <a:spcAft>
-                <a:spcPts val="0"/>
-              </a:spcAft>
-              <a:buSzPts val="1100"/>
-              <a:buChar char="○"/>
+              <a:buSzPts val="1300"/>
             </a:pPr>
             <a:r>
-              <a:rPr lang="en" sz="1600" dirty="0">
+              <a:rPr lang="en-US" sz="1600" dirty="0">
                 <a:latin typeface="Consolas" panose="020B0609020204030204" pitchFamily="49" charset="0"/>
               </a:rPr>
               <a:t>They often involve comparison operators (e.g., &gt;, &lt;, ==, !=, &gt;=, &lt;=) and logical operators (e.g., and, or, not)</a:t>
             </a:r>
-            <a:endParaRPr sz="1600" dirty="0">
+          </a:p>
+          <a:p>
+            <a:pPr>
+              <a:lnSpc>
+                <a:spcPct val="114999"/>
+              </a:lnSpc>
+            </a:pPr>
+            <a:r>
+              <a:rPr lang="en-US" sz="1600" dirty="0">
+                <a:latin typeface="Consolas" panose="020B0609020204030204" pitchFamily="49" charset="0"/>
+              </a:rPr>
+              <a:t> Python uses indentation to define code blocks.</a:t>
+            </a:r>
+          </a:p>
+          <a:p>
+            <a:pPr marL="0" lvl="1" indent="0">
+              <a:lnSpc>
+                <a:spcPct val="114999"/>
+              </a:lnSpc>
+              <a:spcBef>
+                <a:spcPts val="0"/>
+              </a:spcBef>
+              <a:buSzPts val="1300"/>
+              <a:buNone/>
+            </a:pPr>
+            <a:endParaRPr lang="en-US" sz="1600" dirty="0">
               <a:latin typeface="Consolas" panose="020B0609020204030204" pitchFamily="49" charset="0"/>
             </a:endParaRPr>
           </a:p>
           <a:p>
-            <a:pPr>
+            <a:pPr marL="0" lvl="1" indent="0">
               <a:lnSpc>
                 <a:spcPct val="114999"/>
               </a:lnSpc>
+              <a:spcBef>
+                <a:spcPts val="0"/>
+              </a:spcBef>
+              <a:buSzPts val="1300"/>
+              <a:buNone/>
             </a:pPr>
             <a:r>
-              <a:rPr lang="en" sz="1800" dirty="0">
+              <a:rPr lang="en-US" sz="1600" dirty="0">
                 <a:latin typeface="Consolas" panose="020B0609020204030204" pitchFamily="49" charset="0"/>
               </a:rPr>
-              <a:t>Python uses indentation to define code blocks.</a:t>
-            </a:r>
-            <a:endParaRPr lang="en-US" sz="1800" dirty="0">
-              <a:latin typeface="Consolas" panose="020B0609020204030204" pitchFamily="49" charset="0"/>
-            </a:endParaRPr>
-          </a:p>
-          <a:p>
-            <a:pPr marL="0" lvl="1" indent="0" algn="l">
-              <a:lnSpc>
-                <a:spcPct val="114999"/>
-              </a:lnSpc>
-              <a:spcBef>
-                <a:spcPts val="0"/>
-              </a:spcBef>
-              <a:spcAft>
-                <a:spcPts val="0"/>
-              </a:spcAft>
-              <a:buSzPts val="1300"/>
-              <a:buNone/>
-            </a:pPr>
-            <a:endParaRPr lang="en-US" sz="1800" dirty="0">
-              <a:latin typeface="Consolas" panose="020B0609020204030204" pitchFamily="49" charset="0"/>
-            </a:endParaRPr>
-          </a:p>
-          <a:p>
-            <a:pPr marL="0" lvl="1" indent="0" algn="l">
-              <a:lnSpc>
-                <a:spcPct val="114999"/>
-              </a:lnSpc>
-              <a:spcBef>
-                <a:spcPts val="0"/>
-              </a:spcBef>
-              <a:spcAft>
-                <a:spcPts val="0"/>
-              </a:spcAft>
-              <a:buSzPts val="1300"/>
-              <a:buNone/>
-            </a:pPr>
-            <a:r>
-              <a:rPr lang="en-US" sz="1800" dirty="0">
-                <a:latin typeface="Consolas" panose="020B0609020204030204" pitchFamily="49" charset="0"/>
-              </a:rPr>
-              <a:t>The code indented under an if, </a:t>
-            </a:r>
-            <a:r>
-              <a:rPr lang="en-US" sz="1800" dirty="0" err="1">
+              <a:t> The code indented under an if, </a:t>
+            </a:r>
+            <a:r>
+              <a:rPr lang="en-US" sz="1600" dirty="0" err="1">
                 <a:latin typeface="Consolas" panose="020B0609020204030204" pitchFamily="49" charset="0"/>
               </a:rPr>
               <a:t>elif</a:t>
             </a:r>
             <a:r>
-              <a:rPr lang="en-US" sz="1800" dirty="0">
+              <a:rPr lang="en-US" sz="1600" dirty="0">
                 <a:latin typeface="Consolas" panose="020B0609020204030204" pitchFamily="49" charset="0"/>
               </a:rPr>
               <a:t>, or else statement belongs to that specific conditional block.</a:t>
             </a:r>
           </a:p>
           <a:p>
-            <a:pPr marL="0" lvl="1" indent="0" algn="l">
+            <a:pPr marL="0" lvl="1" indent="0">
               <a:lnSpc>
                 <a:spcPct val="114999"/>
               </a:lnSpc>
               <a:spcBef>
                 <a:spcPts val="0"/>
               </a:spcBef>
-              <a:spcAft>
-                <a:spcPts val="0"/>
-              </a:spcAft>
               <a:buSzPts val="1300"/>
               <a:buNone/>
             </a:pPr>
             <a:r>
-              <a:rPr lang="en" sz="1800" dirty="0">
+              <a:rPr lang="en-US" sz="1600" dirty="0">
                 <a:latin typeface="Consolas" panose="020B0609020204030204" pitchFamily="49" charset="0"/>
               </a:rPr>
-              <a:t>Conditional statements enable "branching" in your code, directing the program's execution down different paths based on the evaluated conditions</a:t>
-            </a:r>
-            <a:endParaRPr sz="1800" dirty="0">
-              <a:latin typeface="Consolas" panose="020B0609020204030204" pitchFamily="49" charset="0"/>
-            </a:endParaRPr>
+              <a:t> Conditional statements enable "branching" in your code, directing the program's execution down different paths based on the evaluated conditions</a:t>
+            </a:r>
+          </a:p>
+          <a:p>
+            <a:pPr marL="182880" indent="-182880">
+              <a:lnSpc>
+                <a:spcPct val="95000"/>
+              </a:lnSpc>
+              <a:spcBef>
+                <a:spcPts val="1000"/>
+              </a:spcBef>
+              <a:buSzPct val="100000"/>
+              <a:buFont typeface="Arial"/>
+              <a:buChar char="▪"/>
+            </a:pPr>
+            <a:endParaRPr lang="en-US" sz="1700" dirty="0"/>
           </a:p>
         </p:txBody>
       </p:sp>

--- a/Python/Lesson 02 - Conditional Statements and Error Handling/Lesson 02 - Conditional Statements, Loops, and Error Handling.pptx
+++ b/Python/Lesson 02 - Conditional Statements and Error Handling/Lesson 02 - Conditional Statements, Loops, and Error Handling.pptx
@@ -167,7 +167,7 @@
       </p15:sldGuideLst>
     </p:ext>
     <p:ext uri="GoogleSlidesCustomDataVersion2">
-      <go:slidesCustomData xmlns:go="http://customooxmlschemas.google.com/" xmlns:ahyp="http://schemas.microsoft.com/office/drawing/2018/hyperlinkcolor" xmlns:p15="http://schemas.microsoft.com/office/powerpoint/2012/main" xmlns:p14="http://schemas.microsoft.com/office/powerpoint/2010/main" xmlns:com="http://schemas.openxmlformats.org/drawingml/2006/compatibility" xmlns:pvml="urn:schemas-microsoft-com:office:powerpoint" xmlns:v="urn:schemas-microsoft-com:vml" xmlns:o="urn:schemas-microsoft-com:office:office" xmlns:dgm="http://schemas.openxmlformats.org/drawingml/2006/diagram" xmlns:c="http://schemas.openxmlformats.org/drawingml/2006/chart" xmlns:mv="urn:schemas-microsoft-com:mac:vml" xmlns:mc="http://schemas.openxmlformats.org/markup-compatibility/2006" xmlns="" r:id="rId44" roundtripDataSignature="AMtx7mhR28n/WwYP6NLmq1keFa6scSyeQA=="/>
+      <go:slidesCustomData xmlns="" xmlns:mc="http://schemas.openxmlformats.org/markup-compatibility/2006" xmlns:mv="urn:schemas-microsoft-com:mac:vml" xmlns:c="http://schemas.openxmlformats.org/drawingml/2006/chart" xmlns:dgm="http://schemas.openxmlformats.org/drawingml/2006/diagram" xmlns:o="urn:schemas-microsoft-com:office:office" xmlns:v="urn:schemas-microsoft-com:vml" xmlns:pvml="urn:schemas-microsoft-com:office:powerpoint" xmlns:com="http://schemas.openxmlformats.org/drawingml/2006/compatibility" xmlns:p14="http://schemas.microsoft.com/office/powerpoint/2010/main" xmlns:p15="http://schemas.microsoft.com/office/powerpoint/2012/main" xmlns:ahyp="http://schemas.microsoft.com/office/drawing/2018/hyperlinkcolor" xmlns:go="http://customooxmlschemas.google.com/" r:id="rId44" roundtripDataSignature="AMtx7mhR28n/WwYP6NLmq1keFa6scSyeQA=="/>
     </p:ext>
   </p:extLst>
 </p:presentation>
@@ -38558,6 +38558,27 @@
 </file>
 
 <file path=customXml/item1.xml><?xml version="1.0" encoding="utf-8"?>
+<?mso-contentType ?>
+<FormTemplates xmlns="http://schemas.microsoft.com/sharepoint/v3/contenttype/forms">
+  <Display>DocumentLibraryForm</Display>
+  <Edit>DocumentLibraryForm</Edit>
+  <New>DocumentLibraryForm</New>
+</FormTemplates>
+</file>
+
+<file path=customXml/item2.xml><?xml version="1.0" encoding="utf-8"?>
+<p:properties xmlns:p="http://schemas.microsoft.com/office/2006/metadata/properties" xmlns:xsi="http://www.w3.org/2001/XMLSchema-instance" xmlns:pc="http://schemas.microsoft.com/office/infopath/2007/PartnerControls">
+  <documentManagement>
+    <_ip_UnifiedCompliancePolicyUIAction xmlns="http://schemas.microsoft.com/sharepoint/v3" xsi:nil="true"/>
+    <lcf76f155ced4ddcb4097134ff3c332f xmlns="9dde6c22-8ab6-440c-b851-8913fffc73fe">
+      <Terms xmlns="http://schemas.microsoft.com/office/infopath/2007/PartnerControls"/>
+    </lcf76f155ced4ddcb4097134ff3c332f>
+    <_ip_UnifiedCompliancePolicyProperties xmlns="http://schemas.microsoft.com/sharepoint/v3" xsi:nil="true"/>
+  </documentManagement>
+</p:properties>
+</file>
+
+<file path=customXml/item3.xml><?xml version="1.0" encoding="utf-8"?>
 <ct:contentTypeSchema xmlns:ct="http://schemas.microsoft.com/office/2006/metadata/contentType" xmlns:ma="http://schemas.microsoft.com/office/2006/metadata/properties/metaAttributes" ct:_="" ma:_="" ma:contentTypeName="Document" ma:contentTypeID="0x01010055359E76FA9FC24B943D75031F37743A" ma:contentTypeVersion="15" ma:contentTypeDescription="Create a new document." ma:contentTypeScope="" ma:versionID="665a36501b5e2cf15d1c317412bd8a7d">
   <xsd:schema xmlns:xsd="http://www.w3.org/2001/XMLSchema" xmlns:xs="http://www.w3.org/2001/XMLSchema" xmlns:p="http://schemas.microsoft.com/office/2006/metadata/properties" xmlns:ns1="http://schemas.microsoft.com/sharepoint/v3" xmlns:ns2="9dde6c22-8ab6-440c-b851-8913fffc73fe" xmlns:ns3="ae0dd124-40e6-4fe0-86bb-5d5f22ef871f" targetNamespace="http://schemas.microsoft.com/office/2006/metadata/properties" ma:root="true" ma:fieldsID="170321637f7a3b3ff889e1b65524f254" ns1:_="" ns2:_="" ns3:_="">
     <xsd:import namespace="http://schemas.microsoft.com/sharepoint/v3"/>
@@ -38791,28 +38812,26 @@
 </ct:contentTypeSchema>
 </file>
 
-<file path=customXml/item2.xml><?xml version="1.0" encoding="utf-8"?>
-<p:properties xmlns:p="http://schemas.microsoft.com/office/2006/metadata/properties" xmlns:xsi="http://www.w3.org/2001/XMLSchema-instance" xmlns:pc="http://schemas.microsoft.com/office/infopath/2007/PartnerControls">
-  <documentManagement>
-    <_ip_UnifiedCompliancePolicyUIAction xmlns="http://schemas.microsoft.com/sharepoint/v3" xsi:nil="true"/>
-    <lcf76f155ced4ddcb4097134ff3c332f xmlns="9dde6c22-8ab6-440c-b851-8913fffc73fe">
-      <Terms xmlns="http://schemas.microsoft.com/office/infopath/2007/PartnerControls"/>
-    </lcf76f155ced4ddcb4097134ff3c332f>
-    <_ip_UnifiedCompliancePolicyProperties xmlns="http://schemas.microsoft.com/sharepoint/v3" xsi:nil="true"/>
-  </documentManagement>
-</p:properties>
+<file path=customXml/itemProps1.xml><?xml version="1.0" encoding="utf-8"?>
+<ds:datastoreItem xmlns:ds="http://schemas.openxmlformats.org/officeDocument/2006/customXml" ds:itemID="{EEDAE058-693F-4D4D-B3D4-49585FB24846}">
+  <ds:schemaRefs>
+    <ds:schemaRef ds:uri="http://schemas.microsoft.com/sharepoint/v3/contenttype/forms"/>
+  </ds:schemaRefs>
+</ds:datastoreItem>
 </file>
 
-<file path=customXml/item3.xml><?xml version="1.0" encoding="utf-8"?>
-<?mso-contentType ?>
-<FormTemplates xmlns="http://schemas.microsoft.com/sharepoint/v3/contenttype/forms">
-  <Display>DocumentLibraryForm</Display>
-  <Edit>DocumentLibraryForm</Edit>
-  <New>DocumentLibraryForm</New>
-</FormTemplates>
+<file path=customXml/itemProps2.xml><?xml version="1.0" encoding="utf-8"?>
+<ds:datastoreItem xmlns:ds="http://schemas.openxmlformats.org/officeDocument/2006/customXml" ds:itemID="{07A1EB01-861B-4BAA-842F-73F9F1C283DE}">
+  <ds:schemaRefs>
+    <ds:schemaRef ds:uri="http://schemas.microsoft.com/office/2006/metadata/properties"/>
+    <ds:schemaRef ds:uri="http://schemas.microsoft.com/office/infopath/2007/PartnerControls"/>
+    <ds:schemaRef ds:uri="http://schemas.microsoft.com/sharepoint/v3"/>
+    <ds:schemaRef ds:uri="9dde6c22-8ab6-440c-b851-8913fffc73fe"/>
+  </ds:schemaRefs>
+</ds:datastoreItem>
 </file>
 
-<file path=customXml/itemProps1.xml><?xml version="1.0" encoding="utf-8"?>
+<file path=customXml/itemProps3.xml><?xml version="1.0" encoding="utf-8"?>
 <ds:datastoreItem xmlns:ds="http://schemas.openxmlformats.org/officeDocument/2006/customXml" ds:itemID="{0F82FFD5-FE2C-44A9-B406-3CE2F96D8005}">
   <ds:schemaRefs>
     <ds:schemaRef ds:uri="http://schemas.microsoft.com/office/2006/metadata/contentType"/>
@@ -38830,23 +38849,4 @@
     <ds:schemaRef ds:uri="http://schemas.microsoft.com/internal/obd"/>
   </ds:schemaRefs>
 </ds:datastoreItem>
-</file>
-
-<file path=customXml/itemProps2.xml><?xml version="1.0" encoding="utf-8"?>
-<ds:datastoreItem xmlns:ds="http://schemas.openxmlformats.org/officeDocument/2006/customXml" ds:itemID="{07A1EB01-861B-4BAA-842F-73F9F1C283DE}">
-  <ds:schemaRefs>
-    <ds:schemaRef ds:uri="http://schemas.microsoft.com/office/2006/metadata/properties"/>
-    <ds:schemaRef ds:uri="http://schemas.microsoft.com/office/infopath/2007/PartnerControls"/>
-    <ds:schemaRef ds:uri="http://schemas.microsoft.com/sharepoint/v3"/>
-    <ds:schemaRef ds:uri="9dde6c22-8ab6-440c-b851-8913fffc73fe"/>
-  </ds:schemaRefs>
-</ds:datastoreItem>
-</file>
-
-<file path=customXml/itemProps3.xml><?xml version="1.0" encoding="utf-8"?>
-<ds:datastoreItem xmlns:ds="http://schemas.openxmlformats.org/officeDocument/2006/customXml" ds:itemID="{EEDAE058-693F-4D4D-B3D4-49585FB24846}">
-  <ds:schemaRefs>
-    <ds:schemaRef ds:uri="http://schemas.microsoft.com/sharepoint/v3/contenttype/forms"/>
-  </ds:schemaRefs>
-</ds:datastoreItem>
 </file>